--- a/iteration_with_purrr.pptx
+++ b/iteration_with_purrr.pptx
@@ -13,6 +13,8 @@
     <p:sldId id="261" r:id="rId7"/>
     <p:sldId id="262" r:id="rId8"/>
     <p:sldId id="263" r:id="rId9"/>
+    <p:sldId id="264" r:id="rId10"/>
+    <p:sldId id="265" r:id="rId11"/>
   </p:sldIdLst>
   <p:sldSz cx="9144000" cy="6858000" type="screen4x3"/>
   <p:notesSz cx="6858000" cy="9144000"/>
@@ -3226,607 +3228,7 @@
 </p:sld>
 </file>
 
-<file path=ppt/slides/slide2.xml><?xml version="1.0" encoding="utf-8"?>
-<p:sld xmlns:a="http://schemas.openxmlformats.org/drawingml/2006/main" xmlns:r="http://schemas.openxmlformats.org/officeDocument/2006/relationships" xmlns:p="http://schemas.openxmlformats.org/presentationml/2006/main">
-  <p:cSld>
-    <p:spTree>
-      <p:nvGrpSpPr>
-        <p:cNvPr id="1" name=""/>
-        <p:cNvGrpSpPr/>
-        <p:nvPr/>
-      </p:nvGrpSpPr>
-      <p:grpSpPr>
-        <a:xfrm>
-          <a:off x="0" y="0"/>
-          <a:ext cx="0" cy="0"/>
-          <a:chOff x="0" y="0"/>
-          <a:chExt cx="0" cy="0"/>
-        </a:xfrm>
-      </p:grpSpPr>
-      <p:sp>
-        <p:nvSpPr>
-          <p:cNvPr id="2" name="Title 1"/>
-          <p:cNvSpPr>
-            <a:spLocks noGrp="1"/>
-          </p:cNvSpPr>
-          <p:nvPr>
-            <p:ph type="title"/>
-          </p:nvPr>
-        </p:nvSpPr>
-        <p:spPr/>
-        <p:txBody>
-          <a:bodyPr/>
-          <a:lstStyle/>
-          <a:p>
-            <a:pPr lvl="0" marL="0" indent="0">
-              <a:buNone/>
-            </a:pPr>
-            <a:r>
-              <a:rPr/>
-              <a:t>Learning</a:t>
-            </a:r>
-            <a:r>
-              <a:rPr/>
-              <a:t> </a:t>
-            </a:r>
-            <a:r>
-              <a:rPr/>
-              <a:t>Objectives</a:t>
-            </a:r>
-          </a:p>
-        </p:txBody>
-      </p:sp>
-      <p:sp>
-        <p:nvSpPr>
-          <p:cNvPr id="3" name="Content Placeholder 2"/>
-          <p:cNvSpPr>
-            <a:spLocks noGrp="1"/>
-          </p:cNvSpPr>
-          <p:nvPr>
-            <p:ph idx="1"/>
-          </p:nvPr>
-        </p:nvSpPr>
-        <p:spPr/>
-        <p:txBody>
-          <a:bodyPr/>
-          <a:lstStyle/>
-          <a:p>
-            <a:pPr lvl="0" marL="0" indent="0">
-              <a:buNone/>
-            </a:pPr>
-            <a:r>
-              <a:rPr/>
-              <a:t>In this lesson, we cover the basic usage and application of iteration following “tidy” principles by using the </a:t>
-            </a:r>
-            <a:r>
-              <a:rPr>
-                <a:latin typeface="Courier"/>
-              </a:rPr>
-              <a:t>purrr</a:t>
-            </a:r>
-            <a:r>
-              <a:rPr/>
-              <a:t> package. After this lesson you should</a:t>
-            </a:r>
-          </a:p>
-          <a:p>
-            <a:pPr lvl="1"/>
-            <a:r>
-              <a:rPr/>
-              <a:t>Be familiar with common loop patterns.</a:t>
-            </a:r>
-          </a:p>
-          <a:p>
-            <a:pPr lvl="1"/>
-            <a:r>
-              <a:rPr/>
-              <a:t>Have a feel for the map family of </a:t>
-            </a:r>
-            <a:r>
-              <a:rPr>
-                <a:latin typeface="Courier"/>
-              </a:rPr>
-              <a:t>purrr</a:t>
-            </a:r>
-            <a:r>
-              <a:rPr/>
-              <a:t> functions.</a:t>
-            </a:r>
-          </a:p>
-          <a:p>
-            <a:pPr lvl="1"/>
-            <a:r>
-              <a:rPr/>
-              <a:t>Be aware of some statistical applications of iteration using the </a:t>
-            </a:r>
-            <a:r>
-              <a:rPr>
-                <a:latin typeface="Courier"/>
-              </a:rPr>
-              <a:t>purrr</a:t>
-            </a:r>
-            <a:r>
-              <a:rPr/>
-              <a:t> package.</a:t>
-            </a:r>
-          </a:p>
-          <a:p>
-            <a:pPr lvl="0" marL="0" indent="0">
-              <a:buNone/>
-            </a:pPr>
-            <a:r>
-              <a:rPr/>
-              <a:t>References for this lesson are</a:t>
-            </a:r>
-          </a:p>
-          <a:p>
-            <a:pPr lvl="1"/>
-            <a:r>
-              <a:rPr>
-                <a:hlinkClick r:id="rId2"/>
-              </a:rPr>
-              <a:t>R for Data Science</a:t>
-            </a:r>
-          </a:p>
-          <a:p>
-            <a:pPr lvl="1"/>
-            <a:r>
-              <a:rPr>
-                <a:hlinkClick r:id="rId3"/>
-              </a:rPr>
-              <a:t>Advanced R</a:t>
-            </a:r>
-          </a:p>
-          <a:p>
-            <a:pPr lvl="1"/>
-            <a:r>
-              <a:rPr>
-                <a:hlinkClick r:id="rId4"/>
-              </a:rPr>
-              <a:t>purrr Documentation</a:t>
-            </a:r>
-          </a:p>
-        </p:txBody>
-      </p:sp>
-    </p:spTree>
-  </p:cSld>
-</p:sld>
-</file>
-
-<file path=ppt/slides/slide3.xml><?xml version="1.0" encoding="utf-8"?>
-<p:sld xmlns:a="http://schemas.openxmlformats.org/drawingml/2006/main" xmlns:r="http://schemas.openxmlformats.org/officeDocument/2006/relationships" xmlns:p="http://schemas.openxmlformats.org/presentationml/2006/main">
-  <p:cSld>
-    <p:spTree>
-      <p:nvGrpSpPr>
-        <p:cNvPr id="1" name=""/>
-        <p:cNvGrpSpPr/>
-        <p:nvPr/>
-      </p:nvGrpSpPr>
-      <p:grpSpPr>
-        <a:xfrm>
-          <a:off x="0" y="0"/>
-          <a:ext cx="0" cy="0"/>
-          <a:chOff x="0" y="0"/>
-          <a:chExt cx="0" cy="0"/>
-        </a:xfrm>
-      </p:grpSpPr>
-      <p:sp>
-        <p:nvSpPr>
-          <p:cNvPr id="2" name="Title 1"/>
-          <p:cNvSpPr>
-            <a:spLocks noGrp="1"/>
-          </p:cNvSpPr>
-          <p:nvPr>
-            <p:ph type="title"/>
-          </p:nvPr>
-        </p:nvSpPr>
-        <p:spPr/>
-        <p:txBody>
-          <a:bodyPr/>
-          <a:lstStyle/>
-          <a:p>
-            <a:pPr lvl="0" marL="0" indent="0">
-              <a:buNone/>
-            </a:pPr>
-            <a:r>
-              <a:rPr/>
-              <a:t>Prerequisites</a:t>
-            </a:r>
-          </a:p>
-        </p:txBody>
-      </p:sp>
-    </p:spTree>
-  </p:cSld>
-</p:sld>
-</file>
-
-<file path=ppt/slides/slide4.xml><?xml version="1.0" encoding="utf-8"?>
-<p:sld xmlns:a="http://schemas.openxmlformats.org/drawingml/2006/main" xmlns:r="http://schemas.openxmlformats.org/officeDocument/2006/relationships" xmlns:p="http://schemas.openxmlformats.org/presentationml/2006/main">
-  <p:cSld>
-    <p:spTree>
-      <p:nvGrpSpPr>
-        <p:cNvPr id="1" name=""/>
-        <p:cNvGrpSpPr/>
-        <p:nvPr/>
-      </p:nvGrpSpPr>
-      <p:grpSpPr>
-        <a:xfrm>
-          <a:off x="0" y="0"/>
-          <a:ext cx="0" cy="0"/>
-          <a:chOff x="0" y="0"/>
-          <a:chExt cx="0" cy="0"/>
-        </a:xfrm>
-      </p:grpSpPr>
-      <p:sp>
-        <p:nvSpPr>
-          <p:cNvPr id="2" name="Title 1"/>
-          <p:cNvSpPr>
-            <a:spLocks noGrp="1"/>
-          </p:cNvSpPr>
-          <p:nvPr>
-            <p:ph type="title"/>
-          </p:nvPr>
-        </p:nvSpPr>
-        <p:spPr/>
-        <p:txBody>
-          <a:bodyPr/>
-          <a:lstStyle/>
-          <a:p>
-            <a:pPr lvl="0" marL="0" indent="0">
-              <a:buNone/>
-            </a:pPr>
-            <a:r>
-              <a:rPr/>
-              <a:t>Function</a:t>
-            </a:r>
-            <a:r>
-              <a:rPr/>
-              <a:t> </a:t>
-            </a:r>
-            <a:r>
-              <a:rPr/>
-              <a:t>Programming</a:t>
-            </a:r>
-          </a:p>
-        </p:txBody>
-      </p:sp>
-    </p:spTree>
-  </p:cSld>
-</p:sld>
-</file>
-
-<file path=ppt/slides/slide5.xml><?xml version="1.0" encoding="utf-8"?>
-<p:sld xmlns:a="http://schemas.openxmlformats.org/drawingml/2006/main" xmlns:r="http://schemas.openxmlformats.org/officeDocument/2006/relationships" xmlns:p="http://schemas.openxmlformats.org/presentationml/2006/main">
-  <p:cSld>
-    <p:spTree>
-      <p:nvGrpSpPr>
-        <p:cNvPr id="1" name=""/>
-        <p:cNvGrpSpPr/>
-        <p:nvPr/>
-      </p:nvGrpSpPr>
-      <p:grpSpPr>
-        <a:xfrm>
-          <a:off x="0" y="0"/>
-          <a:ext cx="0" cy="0"/>
-          <a:chOff x="0" y="0"/>
-          <a:chExt cx="0" cy="0"/>
-        </a:xfrm>
-      </p:grpSpPr>
-      <p:sp>
-        <p:nvSpPr>
-          <p:cNvPr id="2" name="Title 1"/>
-          <p:cNvSpPr>
-            <a:spLocks noGrp="1"/>
-          </p:cNvSpPr>
-          <p:nvPr>
-            <p:ph type="title"/>
-          </p:nvPr>
-        </p:nvSpPr>
-        <p:spPr/>
-        <p:txBody>
-          <a:bodyPr/>
-          <a:lstStyle/>
-          <a:p>
-            <a:pPr lvl="0" marL="0" indent="0">
-              <a:buNone/>
-            </a:pPr>
-            <a:r>
-              <a:rPr/>
-              <a:t>R</a:t>
-            </a:r>
-            <a:r>
-              <a:rPr/>
-              <a:t> </a:t>
-            </a:r>
-            <a:r>
-              <a:rPr/>
-              <a:t>Markdown</a:t>
-            </a:r>
-          </a:p>
-        </p:txBody>
-      </p:sp>
-      <p:sp>
-        <p:nvSpPr>
-          <p:cNvPr id="3" name="Content Placeholder 2"/>
-          <p:cNvSpPr>
-            <a:spLocks noGrp="1"/>
-          </p:cNvSpPr>
-          <p:nvPr>
-            <p:ph idx="1"/>
-          </p:nvPr>
-        </p:nvSpPr>
-        <p:spPr/>
-        <p:txBody>
-          <a:bodyPr/>
-          <a:lstStyle/>
-          <a:p>
-            <a:pPr lvl="0" marL="0" indent="0">
-              <a:buNone/>
-            </a:pPr>
-            <a:r>
-              <a:rPr/>
-              <a:t>This is an R Markdown presentation. Markdown is a simple formatting syntax for authoring HTML, PDF, and MS Word documents. For more details on using R Markdown see </a:t>
-            </a:r>
-            <a:r>
-              <a:rPr>
-                <a:hlinkClick r:id="rId2"/>
-              </a:rPr>
-              <a:t>http://rmarkdown.rstudio.com</a:t>
-            </a:r>
-            <a:r>
-              <a:rPr/>
-              <a:t>.</a:t>
-            </a:r>
-          </a:p>
-          <a:p>
-            <a:pPr lvl="0" marL="0" indent="0">
-              <a:buNone/>
-            </a:pPr>
-            <a:r>
-              <a:rPr/>
-              <a:t>When you click the </a:t>
-            </a:r>
-            <a:r>
-              <a:rPr b="1"/>
-              <a:t>Knit</a:t>
-            </a:r>
-            <a:r>
-              <a:rPr/>
-              <a:t> button a document will be generated that includes both content as well as the output of any embedded R code chunks within the document.</a:t>
-            </a:r>
-          </a:p>
-        </p:txBody>
-      </p:sp>
-    </p:spTree>
-  </p:cSld>
-</p:sld>
-</file>
-
-<file path=ppt/slides/slide6.xml><?xml version="1.0" encoding="utf-8"?>
-<p:sld xmlns:a="http://schemas.openxmlformats.org/drawingml/2006/main" xmlns:r="http://schemas.openxmlformats.org/officeDocument/2006/relationships" xmlns:p="http://schemas.openxmlformats.org/presentationml/2006/main">
-  <p:cSld>
-    <p:spTree>
-      <p:nvGrpSpPr>
-        <p:cNvPr id="1" name=""/>
-        <p:cNvGrpSpPr/>
-        <p:nvPr/>
-      </p:nvGrpSpPr>
-      <p:grpSpPr>
-        <a:xfrm>
-          <a:off x="0" y="0"/>
-          <a:ext cx="0" cy="0"/>
-          <a:chOff x="0" y="0"/>
-          <a:chExt cx="0" cy="0"/>
-        </a:xfrm>
-      </p:grpSpPr>
-      <p:sp>
-        <p:nvSpPr>
-          <p:cNvPr id="2" name="Title 1"/>
-          <p:cNvSpPr>
-            <a:spLocks noGrp="1"/>
-          </p:cNvSpPr>
-          <p:nvPr>
-            <p:ph type="title"/>
-          </p:nvPr>
-        </p:nvSpPr>
-        <p:spPr/>
-        <p:txBody>
-          <a:bodyPr/>
-          <a:lstStyle/>
-          <a:p>
-            <a:pPr lvl="0" marL="0" indent="0">
-              <a:buNone/>
-            </a:pPr>
-            <a:r>
-              <a:rPr/>
-              <a:t>Slide</a:t>
-            </a:r>
-            <a:r>
-              <a:rPr/>
-              <a:t> </a:t>
-            </a:r>
-            <a:r>
-              <a:rPr/>
-              <a:t>with</a:t>
-            </a:r>
-            <a:r>
-              <a:rPr/>
-              <a:t> </a:t>
-            </a:r>
-            <a:r>
-              <a:rPr/>
-              <a:t>Bullets</a:t>
-            </a:r>
-          </a:p>
-        </p:txBody>
-      </p:sp>
-      <p:sp>
-        <p:nvSpPr>
-          <p:cNvPr id="3" name="Content Placeholder 2"/>
-          <p:cNvSpPr>
-            <a:spLocks noGrp="1"/>
-          </p:cNvSpPr>
-          <p:nvPr>
-            <p:ph idx="1"/>
-          </p:nvPr>
-        </p:nvSpPr>
-        <p:spPr/>
-        <p:txBody>
-          <a:bodyPr/>
-          <a:lstStyle/>
-          <a:p>
-            <a:pPr lvl="1"/>
-            <a:r>
-              <a:rPr/>
-              <a:t>Bullet 1</a:t>
-            </a:r>
-          </a:p>
-          <a:p>
-            <a:pPr lvl="1"/>
-            <a:r>
-              <a:rPr/>
-              <a:t>Bullet 2</a:t>
-            </a:r>
-          </a:p>
-          <a:p>
-            <a:pPr lvl="1"/>
-            <a:r>
-              <a:rPr/>
-              <a:t>Bullet 3</a:t>
-            </a:r>
-          </a:p>
-        </p:txBody>
-      </p:sp>
-    </p:spTree>
-  </p:cSld>
-</p:sld>
-</file>
-
-<file path=ppt/slides/slide7.xml><?xml version="1.0" encoding="utf-8"?>
-<p:sld xmlns:a="http://schemas.openxmlformats.org/drawingml/2006/main" xmlns:r="http://schemas.openxmlformats.org/officeDocument/2006/relationships" xmlns:p="http://schemas.openxmlformats.org/presentationml/2006/main">
-  <p:cSld>
-    <p:spTree>
-      <p:nvGrpSpPr>
-        <p:cNvPr id="1" name=""/>
-        <p:cNvGrpSpPr/>
-        <p:nvPr/>
-      </p:nvGrpSpPr>
-      <p:grpSpPr>
-        <a:xfrm>
-          <a:off x="0" y="0"/>
-          <a:ext cx="0" cy="0"/>
-          <a:chOff x="0" y="0"/>
-          <a:chExt cx="0" cy="0"/>
-        </a:xfrm>
-      </p:grpSpPr>
-      <p:sp>
-        <p:nvSpPr>
-          <p:cNvPr id="2" name="Title 1"/>
-          <p:cNvSpPr>
-            <a:spLocks noGrp="1"/>
-          </p:cNvSpPr>
-          <p:nvPr>
-            <p:ph type="title"/>
-          </p:nvPr>
-        </p:nvSpPr>
-        <p:spPr/>
-        <p:txBody>
-          <a:bodyPr/>
-          <a:lstStyle/>
-          <a:p>
-            <a:pPr lvl="0" marL="0" indent="0">
-              <a:buNone/>
-            </a:pPr>
-            <a:r>
-              <a:rPr/>
-              <a:t>Slide</a:t>
-            </a:r>
-            <a:r>
-              <a:rPr/>
-              <a:t> </a:t>
-            </a:r>
-            <a:r>
-              <a:rPr/>
-              <a:t>with</a:t>
-            </a:r>
-            <a:r>
-              <a:rPr/>
-              <a:t> </a:t>
-            </a:r>
-            <a:r>
-              <a:rPr/>
-              <a:t>R</a:t>
-            </a:r>
-            <a:r>
-              <a:rPr/>
-              <a:t> </a:t>
-            </a:r>
-            <a:r>
-              <a:rPr/>
-              <a:t>Output</a:t>
-            </a:r>
-          </a:p>
-        </p:txBody>
-      </p:sp>
-      <p:sp>
-        <p:nvSpPr>
-          <p:cNvPr id="3" name="Content Placeholder 2"/>
-          <p:cNvSpPr>
-            <a:spLocks noGrp="1"/>
-          </p:cNvSpPr>
-          <p:nvPr>
-            <p:ph idx="1"/>
-          </p:nvPr>
-        </p:nvSpPr>
-        <p:spPr/>
-        <p:txBody>
-          <a:bodyPr/>
-          <a:lstStyle/>
-          <a:p>
-            <a:pPr lvl="0" indent="0">
-              <a:buNone/>
-            </a:pPr>
-            <a:r>
-              <a:rPr>
-                <a:solidFill>
-                  <a:srgbClr val="06287E"/>
-                </a:solidFill>
-                <a:latin typeface="Courier"/>
-              </a:rPr>
-              <a:t>summary</a:t>
-            </a:r>
-            <a:r>
-              <a:rPr>
-                <a:latin typeface="Courier"/>
-              </a:rPr>
-              <a:t>(cars)</a:t>
-            </a:r>
-          </a:p>
-          <a:p>
-            <a:pPr lvl="0" indent="0">
-              <a:buNone/>
-            </a:pPr>
-            <a:r>
-              <a:rPr>
-                <a:latin typeface="Courier"/>
-              </a:rPr>
-              <a:t>##      speed           dist       
-##  Min.   : 4.0   Min.   :  2.00  
-##  1st Qu.:12.0   1st Qu.: 26.00  
-##  Median :15.0   Median : 36.00  
-##  Mean   :15.4   Mean   : 42.98  
-##  3rd Qu.:19.0   3rd Qu.: 56.00  
-##  Max.   :25.0   Max.   :120.00</a:t>
-            </a:r>
-          </a:p>
-        </p:txBody>
-      </p:sp>
-    </p:spTree>
-  </p:cSld>
-</p:sld>
-</file>
-
-<file path=ppt/slides/slide8.xml><?xml version="1.0" encoding="utf-8"?>
+<file path=ppt/slides/slide10.xml><?xml version="1.0" encoding="utf-8"?>
 <p:sld xmlns:a="http://schemas.openxmlformats.org/drawingml/2006/main" xmlns:r="http://schemas.openxmlformats.org/officeDocument/2006/relationships" xmlns:p="http://schemas.openxmlformats.org/presentationml/2006/main">
   <p:cSld>
     <p:spTree>
@@ -3914,6 +3316,831 @@
           </a:ln>
         </p:spPr>
       </p:pic>
+    </p:spTree>
+  </p:cSld>
+</p:sld>
+</file>
+
+<file path=ppt/slides/slide2.xml><?xml version="1.0" encoding="utf-8"?>
+<p:sld xmlns:a="http://schemas.openxmlformats.org/drawingml/2006/main" xmlns:r="http://schemas.openxmlformats.org/officeDocument/2006/relationships" xmlns:p="http://schemas.openxmlformats.org/presentationml/2006/main">
+  <p:cSld>
+    <p:spTree>
+      <p:nvGrpSpPr>
+        <p:cNvPr id="1" name=""/>
+        <p:cNvGrpSpPr/>
+        <p:nvPr/>
+      </p:nvGrpSpPr>
+      <p:grpSpPr>
+        <a:xfrm>
+          <a:off x="0" y="0"/>
+          <a:ext cx="0" cy="0"/>
+          <a:chOff x="0" y="0"/>
+          <a:chExt cx="0" cy="0"/>
+        </a:xfrm>
+      </p:grpSpPr>
+      <p:sp>
+        <p:nvSpPr>
+          <p:cNvPr id="2" name="Title 1"/>
+          <p:cNvSpPr>
+            <a:spLocks noGrp="1"/>
+          </p:cNvSpPr>
+          <p:nvPr>
+            <p:ph type="title"/>
+          </p:nvPr>
+        </p:nvSpPr>
+        <p:spPr/>
+        <p:txBody>
+          <a:bodyPr/>
+          <a:lstStyle/>
+          <a:p>
+            <a:pPr lvl="0" marL="0" indent="0">
+              <a:buNone/>
+            </a:pPr>
+            <a:r>
+              <a:rPr/>
+              <a:t>Learning</a:t>
+            </a:r>
+            <a:r>
+              <a:rPr/>
+              <a:t> </a:t>
+            </a:r>
+            <a:r>
+              <a:rPr/>
+              <a:t>Objectives</a:t>
+            </a:r>
+          </a:p>
+        </p:txBody>
+      </p:sp>
+      <p:sp>
+        <p:nvSpPr>
+          <p:cNvPr id="3" name="Content Placeholder 2"/>
+          <p:cNvSpPr>
+            <a:spLocks noGrp="1"/>
+          </p:cNvSpPr>
+          <p:nvPr>
+            <p:ph idx="1"/>
+          </p:nvPr>
+        </p:nvSpPr>
+        <p:spPr/>
+        <p:txBody>
+          <a:bodyPr/>
+          <a:lstStyle/>
+          <a:p>
+            <a:pPr lvl="0" marL="0" indent="0">
+              <a:buNone/>
+            </a:pPr>
+            <a:r>
+              <a:rPr/>
+              <a:t>In this lesson, we cover the basic usage and application of iteration following “tidy” principles by using the </a:t>
+            </a:r>
+            <a:r>
+              <a:rPr>
+                <a:latin typeface="Courier"/>
+              </a:rPr>
+              <a:t>purrr</a:t>
+            </a:r>
+            <a:r>
+              <a:rPr/>
+              <a:t> package. After this lesson you should</a:t>
+            </a:r>
+          </a:p>
+          <a:p>
+            <a:pPr lvl="1"/>
+            <a:r>
+              <a:rPr/>
+              <a:t>Be familiar with common loop patterns.</a:t>
+            </a:r>
+          </a:p>
+          <a:p>
+            <a:pPr lvl="1"/>
+            <a:r>
+              <a:rPr/>
+              <a:t>Have a feel for the map family of </a:t>
+            </a:r>
+            <a:r>
+              <a:rPr>
+                <a:latin typeface="Courier"/>
+              </a:rPr>
+              <a:t>purrr</a:t>
+            </a:r>
+            <a:r>
+              <a:rPr/>
+              <a:t> functions.</a:t>
+            </a:r>
+          </a:p>
+          <a:p>
+            <a:pPr lvl="1"/>
+            <a:r>
+              <a:rPr/>
+              <a:t>Be aware of some statistical applications of iteration using the </a:t>
+            </a:r>
+            <a:r>
+              <a:rPr>
+                <a:latin typeface="Courier"/>
+              </a:rPr>
+              <a:t>purrr</a:t>
+            </a:r>
+            <a:r>
+              <a:rPr/>
+              <a:t> package.</a:t>
+            </a:r>
+          </a:p>
+        </p:txBody>
+      </p:sp>
+    </p:spTree>
+  </p:cSld>
+</p:sld>
+</file>
+
+<file path=ppt/slides/slide3.xml><?xml version="1.0" encoding="utf-8"?>
+<p:sld xmlns:a="http://schemas.openxmlformats.org/drawingml/2006/main" xmlns:r="http://schemas.openxmlformats.org/officeDocument/2006/relationships" xmlns:p="http://schemas.openxmlformats.org/presentationml/2006/main">
+  <p:cSld>
+    <p:spTree>
+      <p:nvGrpSpPr>
+        <p:cNvPr id="1" name=""/>
+        <p:cNvGrpSpPr/>
+        <p:nvPr/>
+      </p:nvGrpSpPr>
+      <p:grpSpPr>
+        <a:xfrm>
+          <a:off x="0" y="0"/>
+          <a:ext cx="0" cy="0"/>
+          <a:chOff x="0" y="0"/>
+          <a:chExt cx="0" cy="0"/>
+        </a:xfrm>
+      </p:grpSpPr>
+      <p:sp>
+        <p:nvSpPr>
+          <p:cNvPr id="2" name="Title 1"/>
+          <p:cNvSpPr>
+            <a:spLocks noGrp="1"/>
+          </p:cNvSpPr>
+          <p:nvPr>
+            <p:ph type="title"/>
+          </p:nvPr>
+        </p:nvSpPr>
+        <p:spPr/>
+        <p:txBody>
+          <a:bodyPr/>
+          <a:lstStyle/>
+          <a:p>
+            <a:pPr lvl="0" marL="0" indent="0">
+              <a:buNone/>
+            </a:pPr>
+            <a:r>
+              <a:rPr/>
+              <a:t>References</a:t>
+            </a:r>
+          </a:p>
+        </p:txBody>
+      </p:sp>
+      <p:sp>
+        <p:nvSpPr>
+          <p:cNvPr id="3" name="Content Placeholder 2"/>
+          <p:cNvSpPr>
+            <a:spLocks noGrp="1"/>
+          </p:cNvSpPr>
+          <p:nvPr>
+            <p:ph idx="1"/>
+          </p:nvPr>
+        </p:nvSpPr>
+        <p:spPr/>
+        <p:txBody>
+          <a:bodyPr/>
+          <a:lstStyle/>
+          <a:p>
+            <a:pPr lvl="0" marL="0" indent="0">
+              <a:buNone/>
+            </a:pPr>
+            <a:r>
+              <a:rPr/>
+              <a:t>References for this lesson are</a:t>
+            </a:r>
+          </a:p>
+          <a:p>
+            <a:pPr lvl="1"/>
+            <a:r>
+              <a:rPr>
+                <a:hlinkClick r:id="rId2"/>
+              </a:rPr>
+              <a:t>R for Data Science</a:t>
+            </a:r>
+          </a:p>
+          <a:p>
+            <a:pPr lvl="1"/>
+            <a:r>
+              <a:rPr>
+                <a:hlinkClick r:id="rId3"/>
+              </a:rPr>
+              <a:t>Advanced R</a:t>
+            </a:r>
+          </a:p>
+          <a:p>
+            <a:pPr lvl="1"/>
+            <a:r>
+              <a:rPr>
+                <a:hlinkClick r:id="rId4"/>
+              </a:rPr>
+              <a:t>purrr Documentation</a:t>
+            </a:r>
+          </a:p>
+          <a:p>
+            <a:pPr lvl="0" marL="0" indent="0">
+              <a:buNone/>
+            </a:pPr>
+            <a:r>
+              <a:rPr/>
+              <a:t>You can find code relevant to this lesson on </a:t>
+            </a:r>
+            <a:r>
+              <a:rPr>
+                <a:hlinkClick r:id="rId5"/>
+              </a:rPr>
+              <a:t>my GitHub repo</a:t>
+            </a:r>
+            <a:r>
+              <a:rPr/>
+              <a:t>.</a:t>
+            </a:r>
+          </a:p>
+        </p:txBody>
+      </p:sp>
+    </p:spTree>
+  </p:cSld>
+</p:sld>
+</file>
+
+<file path=ppt/slides/slide4.xml><?xml version="1.0" encoding="utf-8"?>
+<p:sld xmlns:a="http://schemas.openxmlformats.org/drawingml/2006/main" xmlns:r="http://schemas.openxmlformats.org/officeDocument/2006/relationships" xmlns:p="http://schemas.openxmlformats.org/presentationml/2006/main">
+  <p:cSld>
+    <p:spTree>
+      <p:nvGrpSpPr>
+        <p:cNvPr id="1" name=""/>
+        <p:cNvGrpSpPr/>
+        <p:nvPr/>
+      </p:nvGrpSpPr>
+      <p:grpSpPr>
+        <a:xfrm>
+          <a:off x="0" y="0"/>
+          <a:ext cx="0" cy="0"/>
+          <a:chOff x="0" y="0"/>
+          <a:chExt cx="0" cy="0"/>
+        </a:xfrm>
+      </p:grpSpPr>
+      <p:sp>
+        <p:nvSpPr>
+          <p:cNvPr id="2" name="Title 1"/>
+          <p:cNvSpPr>
+            <a:spLocks noGrp="1"/>
+          </p:cNvSpPr>
+          <p:nvPr>
+            <p:ph type="title"/>
+          </p:nvPr>
+        </p:nvSpPr>
+        <p:spPr/>
+        <p:txBody>
+          <a:bodyPr/>
+          <a:lstStyle/>
+          <a:p>
+            <a:pPr lvl="0" marL="0" indent="0">
+              <a:buNone/>
+            </a:pPr>
+            <a:r>
+              <a:rPr/>
+              <a:t>Prerequisites</a:t>
+            </a:r>
+          </a:p>
+        </p:txBody>
+      </p:sp>
+      <p:sp>
+        <p:nvSpPr>
+          <p:cNvPr id="3" name="Content Placeholder 2"/>
+          <p:cNvSpPr>
+            <a:spLocks noGrp="1"/>
+          </p:cNvSpPr>
+          <p:nvPr>
+            <p:ph idx="1"/>
+          </p:nvPr>
+        </p:nvSpPr>
+        <p:spPr/>
+        <p:txBody>
+          <a:bodyPr/>
+          <a:lstStyle/>
+          <a:p>
+            <a:pPr lvl="0" marL="0" indent="0">
+              <a:buNone/>
+            </a:pPr>
+            <a:r>
+              <a:rPr/>
+              <a:t>This lesson assumes familiarity with</a:t>
+            </a:r>
+          </a:p>
+          <a:p>
+            <a:pPr lvl="1"/>
+            <a:r>
+              <a:rPr/>
+              <a:t>The use of </a:t>
+            </a:r>
+            <a:r>
+              <a:rPr>
+                <a:hlinkClick r:id="rId2"/>
+              </a:rPr>
+              <a:t>tidyverse</a:t>
+            </a:r>
+            <a:r>
+              <a:rPr/>
+              <a:t> packages such as </a:t>
+            </a:r>
+            <a:r>
+              <a:rPr>
+                <a:latin typeface="Courier"/>
+              </a:rPr>
+              <a:t>tibble</a:t>
+            </a:r>
+            <a:r>
+              <a:rPr/>
+              <a:t>, </a:t>
+            </a:r>
+            <a:r>
+              <a:rPr>
+                <a:latin typeface="Courier"/>
+              </a:rPr>
+              <a:t>ggplot2</a:t>
+            </a:r>
+            <a:r>
+              <a:rPr/>
+              <a:t>, and </a:t>
+            </a:r>
+            <a:r>
+              <a:rPr>
+                <a:latin typeface="Courier"/>
+              </a:rPr>
+              <a:t>dplyr</a:t>
+            </a:r>
+            <a:r>
+              <a:rPr/>
+              <a:t>.</a:t>
+            </a:r>
+          </a:p>
+          <a:p>
+            <a:pPr lvl="2"/>
+            <a:r>
+              <a:rPr/>
+              <a:t>In particular, we will assume that the learner is comfortable with working with data frames or tibbles and is familiar with basic plotting using </a:t>
+            </a:r>
+            <a:r>
+              <a:rPr>
+                <a:latin typeface="Courier"/>
+              </a:rPr>
+              <a:t>ggplot2</a:t>
+            </a:r>
+            <a:r>
+              <a:rPr/>
+              <a:t>.</a:t>
+            </a:r>
+          </a:p>
+          <a:p>
+            <a:pPr lvl="1"/>
+            <a:r>
+              <a:rPr/>
+              <a:t>We will refer to some basic statistical concepts such as confidence intervals and linear models. However, you can probably still get a fair amount out of this lesson even if your statistics background is minimal.</a:t>
+            </a:r>
+          </a:p>
+        </p:txBody>
+      </p:sp>
+    </p:spTree>
+  </p:cSld>
+</p:sld>
+</file>
+
+<file path=ppt/slides/slide5.xml><?xml version="1.0" encoding="utf-8"?>
+<p:sld xmlns:a="http://schemas.openxmlformats.org/drawingml/2006/main" xmlns:r="http://schemas.openxmlformats.org/officeDocument/2006/relationships" xmlns:p="http://schemas.openxmlformats.org/presentationml/2006/main">
+  <p:cSld>
+    <p:spTree>
+      <p:nvGrpSpPr>
+        <p:cNvPr id="1" name=""/>
+        <p:cNvGrpSpPr/>
+        <p:nvPr/>
+      </p:nvGrpSpPr>
+      <p:grpSpPr>
+        <a:xfrm>
+          <a:off x="0" y="0"/>
+          <a:ext cx="0" cy="0"/>
+          <a:chOff x="0" y="0"/>
+          <a:chExt cx="0" cy="0"/>
+        </a:xfrm>
+      </p:grpSpPr>
+      <p:sp>
+        <p:nvSpPr>
+          <p:cNvPr id="2" name="Title 1"/>
+          <p:cNvSpPr>
+            <a:spLocks noGrp="1"/>
+          </p:cNvSpPr>
+          <p:nvPr>
+            <p:ph type="title"/>
+          </p:nvPr>
+        </p:nvSpPr>
+        <p:spPr/>
+        <p:txBody>
+          <a:bodyPr/>
+          <a:lstStyle/>
+          <a:p>
+            <a:pPr lvl="0" marL="0" indent="0">
+              <a:buNone/>
+            </a:pPr>
+            <a:r>
+              <a:rPr/>
+              <a:t>Iteration</a:t>
+            </a:r>
+          </a:p>
+        </p:txBody>
+      </p:sp>
+    </p:spTree>
+  </p:cSld>
+</p:sld>
+</file>
+
+<file path=ppt/slides/slide6.xml><?xml version="1.0" encoding="utf-8"?>
+<p:sld xmlns:a="http://schemas.openxmlformats.org/drawingml/2006/main" xmlns:r="http://schemas.openxmlformats.org/officeDocument/2006/relationships" xmlns:p="http://schemas.openxmlformats.org/presentationml/2006/main">
+  <p:cSld>
+    <p:spTree>
+      <p:nvGrpSpPr>
+        <p:cNvPr id="1" name=""/>
+        <p:cNvGrpSpPr/>
+        <p:nvPr/>
+      </p:nvGrpSpPr>
+      <p:grpSpPr>
+        <a:xfrm>
+          <a:off x="0" y="0"/>
+          <a:ext cx="0" cy="0"/>
+          <a:chOff x="0" y="0"/>
+          <a:chExt cx="0" cy="0"/>
+        </a:xfrm>
+      </p:grpSpPr>
+      <p:sp>
+        <p:nvSpPr>
+          <p:cNvPr id="2" name="Title 1"/>
+          <p:cNvSpPr>
+            <a:spLocks noGrp="1"/>
+          </p:cNvSpPr>
+          <p:nvPr>
+            <p:ph type="title"/>
+          </p:nvPr>
+        </p:nvSpPr>
+        <p:spPr/>
+        <p:txBody>
+          <a:bodyPr/>
+          <a:lstStyle/>
+          <a:p>
+            <a:pPr lvl="0" marL="0" indent="0">
+              <a:buNone/>
+            </a:pPr>
+            <a:r>
+              <a:rPr/>
+              <a:t>Function</a:t>
+            </a:r>
+            <a:r>
+              <a:rPr/>
+              <a:t> </a:t>
+            </a:r>
+            <a:r>
+              <a:rPr/>
+              <a:t>Programming</a:t>
+            </a:r>
+          </a:p>
+        </p:txBody>
+      </p:sp>
+    </p:spTree>
+  </p:cSld>
+</p:sld>
+</file>
+
+<file path=ppt/slides/slide7.xml><?xml version="1.0" encoding="utf-8"?>
+<p:sld xmlns:a="http://schemas.openxmlformats.org/drawingml/2006/main" xmlns:r="http://schemas.openxmlformats.org/officeDocument/2006/relationships" xmlns:p="http://schemas.openxmlformats.org/presentationml/2006/main">
+  <p:cSld>
+    <p:spTree>
+      <p:nvGrpSpPr>
+        <p:cNvPr id="1" name=""/>
+        <p:cNvGrpSpPr/>
+        <p:nvPr/>
+      </p:nvGrpSpPr>
+      <p:grpSpPr>
+        <a:xfrm>
+          <a:off x="0" y="0"/>
+          <a:ext cx="0" cy="0"/>
+          <a:chOff x="0" y="0"/>
+          <a:chExt cx="0" cy="0"/>
+        </a:xfrm>
+      </p:grpSpPr>
+      <p:sp>
+        <p:nvSpPr>
+          <p:cNvPr id="2" name="Title 1"/>
+          <p:cNvSpPr>
+            <a:spLocks noGrp="1"/>
+          </p:cNvSpPr>
+          <p:nvPr>
+            <p:ph type="title"/>
+          </p:nvPr>
+        </p:nvSpPr>
+        <p:spPr/>
+        <p:txBody>
+          <a:bodyPr/>
+          <a:lstStyle/>
+          <a:p>
+            <a:pPr lvl="0" marL="0" indent="0">
+              <a:buNone/>
+            </a:pPr>
+            <a:r>
+              <a:rPr/>
+              <a:t>R</a:t>
+            </a:r>
+            <a:r>
+              <a:rPr/>
+              <a:t> </a:t>
+            </a:r>
+            <a:r>
+              <a:rPr/>
+              <a:t>Markdown</a:t>
+            </a:r>
+          </a:p>
+        </p:txBody>
+      </p:sp>
+      <p:sp>
+        <p:nvSpPr>
+          <p:cNvPr id="3" name="Content Placeholder 2"/>
+          <p:cNvSpPr>
+            <a:spLocks noGrp="1"/>
+          </p:cNvSpPr>
+          <p:nvPr>
+            <p:ph idx="1"/>
+          </p:nvPr>
+        </p:nvSpPr>
+        <p:spPr/>
+        <p:txBody>
+          <a:bodyPr/>
+          <a:lstStyle/>
+          <a:p>
+            <a:pPr lvl="0" marL="0" indent="0">
+              <a:buNone/>
+            </a:pPr>
+            <a:r>
+              <a:rPr/>
+              <a:t>This is an R Markdown presentation. Markdown is a simple formatting syntax for authoring HTML, PDF, and MS Word documents. For more details on using R Markdown see </a:t>
+            </a:r>
+            <a:r>
+              <a:rPr>
+                <a:hlinkClick r:id="rId2"/>
+              </a:rPr>
+              <a:t>http://rmarkdown.rstudio.com</a:t>
+            </a:r>
+            <a:r>
+              <a:rPr/>
+              <a:t>.</a:t>
+            </a:r>
+          </a:p>
+          <a:p>
+            <a:pPr lvl="0" marL="0" indent="0">
+              <a:buNone/>
+            </a:pPr>
+            <a:r>
+              <a:rPr/>
+              <a:t>When you click the </a:t>
+            </a:r>
+            <a:r>
+              <a:rPr b="1"/>
+              <a:t>Knit</a:t>
+            </a:r>
+            <a:r>
+              <a:rPr/>
+              <a:t> button a document will be generated that includes both content as well as the output of any embedded R code chunks within the document.</a:t>
+            </a:r>
+          </a:p>
+        </p:txBody>
+      </p:sp>
+    </p:spTree>
+  </p:cSld>
+</p:sld>
+</file>
+
+<file path=ppt/slides/slide8.xml><?xml version="1.0" encoding="utf-8"?>
+<p:sld xmlns:a="http://schemas.openxmlformats.org/drawingml/2006/main" xmlns:r="http://schemas.openxmlformats.org/officeDocument/2006/relationships" xmlns:p="http://schemas.openxmlformats.org/presentationml/2006/main">
+  <p:cSld>
+    <p:spTree>
+      <p:nvGrpSpPr>
+        <p:cNvPr id="1" name=""/>
+        <p:cNvGrpSpPr/>
+        <p:nvPr/>
+      </p:nvGrpSpPr>
+      <p:grpSpPr>
+        <a:xfrm>
+          <a:off x="0" y="0"/>
+          <a:ext cx="0" cy="0"/>
+          <a:chOff x="0" y="0"/>
+          <a:chExt cx="0" cy="0"/>
+        </a:xfrm>
+      </p:grpSpPr>
+      <p:sp>
+        <p:nvSpPr>
+          <p:cNvPr id="2" name="Title 1"/>
+          <p:cNvSpPr>
+            <a:spLocks noGrp="1"/>
+          </p:cNvSpPr>
+          <p:nvPr>
+            <p:ph type="title"/>
+          </p:nvPr>
+        </p:nvSpPr>
+        <p:spPr/>
+        <p:txBody>
+          <a:bodyPr/>
+          <a:lstStyle/>
+          <a:p>
+            <a:pPr lvl="0" marL="0" indent="0">
+              <a:buNone/>
+            </a:pPr>
+            <a:r>
+              <a:rPr/>
+              <a:t>Slide</a:t>
+            </a:r>
+            <a:r>
+              <a:rPr/>
+              <a:t> </a:t>
+            </a:r>
+            <a:r>
+              <a:rPr/>
+              <a:t>with</a:t>
+            </a:r>
+            <a:r>
+              <a:rPr/>
+              <a:t> </a:t>
+            </a:r>
+            <a:r>
+              <a:rPr/>
+              <a:t>Bullets</a:t>
+            </a:r>
+          </a:p>
+        </p:txBody>
+      </p:sp>
+      <p:sp>
+        <p:nvSpPr>
+          <p:cNvPr id="3" name="Content Placeholder 2"/>
+          <p:cNvSpPr>
+            <a:spLocks noGrp="1"/>
+          </p:cNvSpPr>
+          <p:nvPr>
+            <p:ph idx="1"/>
+          </p:nvPr>
+        </p:nvSpPr>
+        <p:spPr/>
+        <p:txBody>
+          <a:bodyPr/>
+          <a:lstStyle/>
+          <a:p>
+            <a:pPr lvl="1"/>
+            <a:r>
+              <a:rPr/>
+              <a:t>Bullet 1</a:t>
+            </a:r>
+          </a:p>
+          <a:p>
+            <a:pPr lvl="1"/>
+            <a:r>
+              <a:rPr/>
+              <a:t>Bullet 2</a:t>
+            </a:r>
+          </a:p>
+          <a:p>
+            <a:pPr lvl="1"/>
+            <a:r>
+              <a:rPr/>
+              <a:t>Bullet 3</a:t>
+            </a:r>
+          </a:p>
+        </p:txBody>
+      </p:sp>
+    </p:spTree>
+  </p:cSld>
+</p:sld>
+</file>
+
+<file path=ppt/slides/slide9.xml><?xml version="1.0" encoding="utf-8"?>
+<p:sld xmlns:a="http://schemas.openxmlformats.org/drawingml/2006/main" xmlns:r="http://schemas.openxmlformats.org/officeDocument/2006/relationships" xmlns:p="http://schemas.openxmlformats.org/presentationml/2006/main">
+  <p:cSld>
+    <p:spTree>
+      <p:nvGrpSpPr>
+        <p:cNvPr id="1" name=""/>
+        <p:cNvGrpSpPr/>
+        <p:nvPr/>
+      </p:nvGrpSpPr>
+      <p:grpSpPr>
+        <a:xfrm>
+          <a:off x="0" y="0"/>
+          <a:ext cx="0" cy="0"/>
+          <a:chOff x="0" y="0"/>
+          <a:chExt cx="0" cy="0"/>
+        </a:xfrm>
+      </p:grpSpPr>
+      <p:sp>
+        <p:nvSpPr>
+          <p:cNvPr id="2" name="Title 1"/>
+          <p:cNvSpPr>
+            <a:spLocks noGrp="1"/>
+          </p:cNvSpPr>
+          <p:nvPr>
+            <p:ph type="title"/>
+          </p:nvPr>
+        </p:nvSpPr>
+        <p:spPr/>
+        <p:txBody>
+          <a:bodyPr/>
+          <a:lstStyle/>
+          <a:p>
+            <a:pPr lvl="0" marL="0" indent="0">
+              <a:buNone/>
+            </a:pPr>
+            <a:r>
+              <a:rPr/>
+              <a:t>Slide</a:t>
+            </a:r>
+            <a:r>
+              <a:rPr/>
+              <a:t> </a:t>
+            </a:r>
+            <a:r>
+              <a:rPr/>
+              <a:t>with</a:t>
+            </a:r>
+            <a:r>
+              <a:rPr/>
+              <a:t> </a:t>
+            </a:r>
+            <a:r>
+              <a:rPr/>
+              <a:t>R</a:t>
+            </a:r>
+            <a:r>
+              <a:rPr/>
+              <a:t> </a:t>
+            </a:r>
+            <a:r>
+              <a:rPr/>
+              <a:t>Output</a:t>
+            </a:r>
+          </a:p>
+        </p:txBody>
+      </p:sp>
+      <p:sp>
+        <p:nvSpPr>
+          <p:cNvPr id="3" name="Content Placeholder 2"/>
+          <p:cNvSpPr>
+            <a:spLocks noGrp="1"/>
+          </p:cNvSpPr>
+          <p:nvPr>
+            <p:ph idx="1"/>
+          </p:nvPr>
+        </p:nvSpPr>
+        <p:spPr/>
+        <p:txBody>
+          <a:bodyPr/>
+          <a:lstStyle/>
+          <a:p>
+            <a:pPr lvl="0" indent="0">
+              <a:buNone/>
+            </a:pPr>
+            <a:r>
+              <a:rPr>
+                <a:solidFill>
+                  <a:srgbClr val="06287E"/>
+                </a:solidFill>
+                <a:latin typeface="Courier"/>
+              </a:rPr>
+              <a:t>summary</a:t>
+            </a:r>
+            <a:r>
+              <a:rPr>
+                <a:latin typeface="Courier"/>
+              </a:rPr>
+              <a:t>(cars)</a:t>
+            </a:r>
+          </a:p>
+          <a:p>
+            <a:pPr lvl="0" indent="0">
+              <a:buNone/>
+            </a:pPr>
+            <a:r>
+              <a:rPr>
+                <a:latin typeface="Courier"/>
+              </a:rPr>
+              <a:t>##      speed           dist       
+##  Min.   : 4.0   Min.   :  2.00  
+##  1st Qu.:12.0   1st Qu.: 26.00  
+##  Median :15.0   Median : 36.00  
+##  Mean   :15.4   Mean   : 42.98  
+##  3rd Qu.:19.0   3rd Qu.: 56.00  
+##  Max.   :25.0   Max.   :120.00</a:t>
+            </a:r>
+          </a:p>
+        </p:txBody>
+      </p:sp>
     </p:spTree>
   </p:cSld>
 </p:sld>
